--- a/Cours terminés/Les escaliers tournants.pptx
+++ b/Cours terminés/Les escaliers tournants.pptx
@@ -5,16 +5,18 @@
     <p:sldMasterId id="2147483672" r:id="rId1"/>
   </p:sldMasterIdLst>
   <p:notesMasterIdLst>
-    <p:notesMasterId r:id="rId6"/>
+    <p:notesMasterId r:id="rId8"/>
   </p:notesMasterIdLst>
   <p:handoutMasterIdLst>
-    <p:handoutMasterId r:id="rId7"/>
+    <p:handoutMasterId r:id="rId9"/>
   </p:handoutMasterIdLst>
   <p:sldIdLst>
     <p:sldId id="265" r:id="rId2"/>
     <p:sldId id="266" r:id="rId3"/>
     <p:sldId id="267" r:id="rId4"/>
     <p:sldId id="268" r:id="rId5"/>
+    <p:sldId id="269" r:id="rId6"/>
+    <p:sldId id="263" r:id="rId7"/>
   </p:sldIdLst>
   <p:sldSz cx="7199313" cy="10080625"/>
   <p:notesSz cx="6797675" cy="9926638"/>
@@ -6309,6 +6311,1084 @@
     <p:extLst>
       <p:ext uri="{BB962C8B-B14F-4D97-AF65-F5344CB8AC3E}">
         <p14:creationId xmlns:p14="http://schemas.microsoft.com/office/powerpoint/2010/main" val="3789337553"/>
+      </p:ext>
+    </p:extLst>
+  </p:cSld>
+  <p:clrMapOvr>
+    <a:masterClrMapping/>
+  </p:clrMapOvr>
+</p:sld>
+</file>
+
+<file path=ppt/slides/slide5.xml><?xml version="1.0" encoding="utf-8"?>
+<p:sld xmlns:a="http://schemas.openxmlformats.org/drawingml/2006/main" xmlns:r="http://schemas.openxmlformats.org/officeDocument/2006/relationships" xmlns:p="http://schemas.openxmlformats.org/presentationml/2006/main">
+  <p:cSld>
+    <p:spTree>
+      <p:nvGrpSpPr>
+        <p:cNvPr id="1" name=""/>
+        <p:cNvGrpSpPr/>
+        <p:nvPr/>
+      </p:nvGrpSpPr>
+      <p:grpSpPr>
+        <a:xfrm>
+          <a:off x="0" y="0"/>
+          <a:ext cx="0" cy="0"/>
+          <a:chOff x="0" y="0"/>
+          <a:chExt cx="0" cy="0"/>
+        </a:xfrm>
+      </p:grpSpPr>
+      <p:sp>
+        <p:nvSpPr>
+          <p:cNvPr id="4" name="TextBox 3"/>
+          <p:cNvSpPr txBox="1"/>
+          <p:nvPr/>
+        </p:nvSpPr>
+        <p:spPr>
+          <a:xfrm>
+            <a:off x="647615" y="1313161"/>
+            <a:ext cx="5885282" cy="5017014"/>
+          </a:xfrm>
+          <a:prstGeom prst="rect">
+            <a:avLst/>
+          </a:prstGeom>
+          <a:noFill/>
+        </p:spPr>
+        <p:txBody>
+          <a:bodyPr wrap="square" numCol="1" rtlCol="0">
+            <a:spAutoFit/>
+          </a:bodyPr>
+          <a:lstStyle/>
+          <a:p>
+            <a:r>
+              <a:rPr lang="fr-FR" sz="1143" b="1" dirty="0"/>
+              <a:t>En prenant les informations que vous avez besoin sur le plan de l’escalier à échelle réduite. </a:t>
+            </a:r>
+          </a:p>
+          <a:p>
+            <a:r>
+              <a:rPr lang="fr-FR" sz="1143" b="1" dirty="0"/>
+              <a:t>Pour un escalier d’une hauteur sol au plancher de 2………. mm, avec une marche palière de 1..... mm et un recul pour la première marche par rapport au limon de …. </a:t>
+            </a:r>
+            <a:r>
+              <a:rPr lang="fr-FR" sz="1143" b="1" dirty="0" err="1"/>
+              <a:t>mm.</a:t>
+            </a:r>
+            <a:r>
+              <a:rPr lang="fr-FR" sz="1143" b="1" dirty="0"/>
+              <a:t> Déterminer par le calcul (arrondir à 2 chiffres après la virgule si besoin) les informations demandées :</a:t>
+            </a:r>
+          </a:p>
+          <a:p>
+            <a:endParaRPr lang="fr-FR" sz="1143" b="1" dirty="0"/>
+          </a:p>
+          <a:p>
+            <a:r>
+              <a:rPr lang="fr-FR" sz="1143" b="1" dirty="0"/>
+              <a:t>1.Le nombre de marches :								…./1</a:t>
+            </a:r>
+          </a:p>
+          <a:p>
+            <a:r>
+              <a:rPr lang="fr-FR" sz="1143" b="1" dirty="0"/>
+              <a:t>………………………………………………………………………………………………………………………….</a:t>
+            </a:r>
+          </a:p>
+          <a:p>
+            <a:endParaRPr lang="fr-FR" sz="1143" b="1" dirty="0"/>
+          </a:p>
+          <a:p>
+            <a:r>
+              <a:rPr lang="fr-FR" sz="1143" b="1" dirty="0"/>
+              <a:t>………………………………………………………………………………………………………………………….</a:t>
+            </a:r>
+          </a:p>
+          <a:p>
+            <a:endParaRPr lang="fr-FR" sz="1143" b="1" dirty="0"/>
+          </a:p>
+          <a:p>
+            <a:r>
+              <a:rPr lang="fr-FR" sz="1143" b="1" dirty="0"/>
+              <a:t>2. La hauteur de marche :								…./1</a:t>
+            </a:r>
+          </a:p>
+          <a:p>
+            <a:r>
+              <a:rPr lang="fr-FR" sz="1143" b="1" dirty="0"/>
+              <a:t>………………………………………………………………………………………………………………………….</a:t>
+            </a:r>
+          </a:p>
+          <a:p>
+            <a:endParaRPr lang="fr-FR" sz="1143" b="1" dirty="0"/>
+          </a:p>
+          <a:p>
+            <a:r>
+              <a:rPr lang="fr-FR" sz="1143" b="1" dirty="0"/>
+              <a:t>………………………………………………………………………………………………………………………….</a:t>
+            </a:r>
+          </a:p>
+          <a:p>
+            <a:endParaRPr lang="fr-FR" sz="1143" b="1" dirty="0"/>
+          </a:p>
+          <a:p>
+            <a:r>
+              <a:rPr lang="fr-FR" sz="1143" b="1" dirty="0"/>
+              <a:t>3. La foulée :										…./2</a:t>
+            </a:r>
+          </a:p>
+          <a:p>
+            <a:r>
+              <a:rPr lang="fr-FR" sz="1143" b="1" dirty="0"/>
+              <a:t>………………………………………………………………………………………………………………………….</a:t>
+            </a:r>
+          </a:p>
+          <a:p>
+            <a:endParaRPr lang="fr-FR" sz="1143" b="1" dirty="0"/>
+          </a:p>
+          <a:p>
+            <a:r>
+              <a:rPr lang="fr-FR" sz="1143" b="1" dirty="0"/>
+              <a:t>………………………………………………………………………………………………………………………….</a:t>
+            </a:r>
+          </a:p>
+          <a:p>
+            <a:r>
+              <a:rPr lang="fr-FR" sz="1143" b="1" dirty="0"/>
+              <a:t>4. Le giron :										…./2</a:t>
+            </a:r>
+          </a:p>
+          <a:p>
+            <a:r>
+              <a:rPr lang="fr-FR" sz="1143" b="1" dirty="0"/>
+              <a:t>………………………………………………………………………………………………………………………….</a:t>
+            </a:r>
+          </a:p>
+          <a:p>
+            <a:endParaRPr lang="fr-FR" sz="1143" b="1" dirty="0"/>
+          </a:p>
+          <a:p>
+            <a:r>
+              <a:rPr lang="fr-FR" sz="1143" b="1" dirty="0"/>
+              <a:t>………………………………………………………………………………………………………………………….</a:t>
+            </a:r>
+          </a:p>
+          <a:p>
+            <a:endParaRPr lang="fr-FR" sz="1143" b="1" dirty="0"/>
+          </a:p>
+          <a:p>
+            <a:r>
+              <a:rPr lang="fr-FR" sz="1143" b="1" dirty="0"/>
+              <a:t>5</a:t>
+            </a:r>
+            <a:r>
+              <a:rPr lang="fr-FR" sz="1143" b="1"/>
+              <a:t>. </a:t>
+            </a:r>
+            <a:r>
+              <a:rPr lang="fr-FR" sz="1143" b="1" dirty="0"/>
+              <a:t>La formule de blondel :								…./1</a:t>
+            </a:r>
+          </a:p>
+          <a:p>
+            <a:r>
+              <a:rPr lang="fr-FR" sz="1143" b="1" dirty="0"/>
+              <a:t>………………………………………………………………………………………………………………………….</a:t>
+            </a:r>
+          </a:p>
+          <a:p>
+            <a:endParaRPr lang="fr-FR" sz="1143" b="1" dirty="0"/>
+          </a:p>
+          <a:p>
+            <a:r>
+              <a:rPr lang="fr-FR" sz="1143" b="1" dirty="0"/>
+              <a:t>………………………………………………………………………………………………………………………….</a:t>
+            </a:r>
+          </a:p>
+        </p:txBody>
+      </p:sp>
+      <p:sp>
+        <p:nvSpPr>
+          <p:cNvPr id="7" name="TextBox 6"/>
+          <p:cNvSpPr txBox="1"/>
+          <p:nvPr/>
+        </p:nvSpPr>
+        <p:spPr>
+          <a:xfrm>
+            <a:off x="647615" y="994916"/>
+            <a:ext cx="5885282" cy="297454"/>
+          </a:xfrm>
+          <a:prstGeom prst="rect">
+            <a:avLst/>
+          </a:prstGeom>
+        </p:spPr>
+        <p:style>
+          <a:lnRef idx="2">
+            <a:schemeClr val="dk1"/>
+          </a:lnRef>
+          <a:fillRef idx="1">
+            <a:schemeClr val="lt1"/>
+          </a:fillRef>
+          <a:effectRef idx="0">
+            <a:schemeClr val="dk1"/>
+          </a:effectRef>
+          <a:fontRef idx="minor">
+            <a:schemeClr val="dk1"/>
+          </a:fontRef>
+        </p:style>
+        <p:txBody>
+          <a:bodyPr wrap="square" rtlCol="0">
+            <a:spAutoFit/>
+          </a:bodyPr>
+          <a:lstStyle/>
+          <a:p>
+            <a:pPr algn="ctr"/>
+            <a:r>
+              <a:rPr lang="fr-FR" sz="1333" dirty="0"/>
+              <a:t>Nom : 	……………………………………		Prénom : 	……………………………………</a:t>
+            </a:r>
+          </a:p>
+        </p:txBody>
+      </p:sp>
+      <p:sp>
+        <p:nvSpPr>
+          <p:cNvPr id="2" name="Rectangle 1"/>
+          <p:cNvSpPr/>
+          <p:nvPr/>
+        </p:nvSpPr>
+        <p:spPr>
+          <a:xfrm>
+            <a:off x="647614" y="6451624"/>
+            <a:ext cx="5885283" cy="3258200"/>
+          </a:xfrm>
+          <a:prstGeom prst="rect">
+            <a:avLst/>
+          </a:prstGeom>
+          <a:ln>
+            <a:prstDash val="sysDot"/>
+          </a:ln>
+        </p:spPr>
+        <p:style>
+          <a:lnRef idx="2">
+            <a:schemeClr val="dk1"/>
+          </a:lnRef>
+          <a:fillRef idx="1">
+            <a:schemeClr val="lt1"/>
+          </a:fillRef>
+          <a:effectRef idx="0">
+            <a:schemeClr val="dk1"/>
+          </a:effectRef>
+          <a:fontRef idx="minor">
+            <a:schemeClr val="dk1"/>
+          </a:fontRef>
+        </p:style>
+        <p:txBody>
+          <a:bodyPr wrap="square">
+            <a:spAutoFit/>
+          </a:bodyPr>
+          <a:lstStyle/>
+          <a:p>
+            <a:r>
+              <a:rPr lang="fr-FR" sz="1143" b="1" dirty="0"/>
+              <a:t>Information : Les formules </a:t>
+            </a:r>
+          </a:p>
+          <a:p>
+            <a:endParaRPr lang="fr-FR" sz="1143" b="1" dirty="0"/>
+          </a:p>
+          <a:p>
+            <a:r>
+              <a:rPr lang="fr-FR" sz="1143" b="1" dirty="0"/>
+              <a:t>1. Le nombre de marches :</a:t>
+            </a:r>
+          </a:p>
+          <a:p>
+            <a:r>
+              <a:rPr lang="fr-FR" sz="1143" dirty="0"/>
+              <a:t>la hauteur de l’escalier </a:t>
+            </a:r>
+            <a:r>
+              <a:rPr lang="fr-BE" sz="1143" dirty="0"/>
+              <a:t>÷ la hauteur idéale d’une marche d’escalier</a:t>
+            </a:r>
+            <a:endParaRPr lang="fr-FR" sz="1143" dirty="0"/>
+          </a:p>
+          <a:p>
+            <a:endParaRPr lang="fr-FR" sz="1143" b="1" dirty="0"/>
+          </a:p>
+          <a:p>
+            <a:r>
+              <a:rPr lang="fr-FR" sz="1143" b="1" dirty="0"/>
+              <a:t>2. La hauteur de marche :</a:t>
+            </a:r>
+          </a:p>
+          <a:p>
+            <a:r>
+              <a:rPr lang="fr-FR" sz="1143" dirty="0"/>
+              <a:t>la hauteur de l’escalier </a:t>
+            </a:r>
+            <a:r>
+              <a:rPr lang="fr-BE" sz="1143" dirty="0"/>
+              <a:t>÷ résultat précédent (nombre de marches)</a:t>
+            </a:r>
+          </a:p>
+          <a:p>
+            <a:endParaRPr lang="fr-BE" sz="1143" dirty="0"/>
+          </a:p>
+          <a:p>
+            <a:r>
+              <a:rPr lang="fr-BE" sz="1143" b="1" dirty="0"/>
+              <a:t>3. Calculer la ligne de foulée :</a:t>
+            </a:r>
+          </a:p>
+          <a:p>
+            <a:r>
+              <a:rPr lang="fr-FR" sz="1143" dirty="0"/>
+              <a:t>[La mesure de la première partie de l’escalier en partant du haut – la marche palière] + [un quart de rond pour la ligne de foulée dans le tournant (3,14 x 400 x 2)/4.] + [la mesure de la dernière partie de mon escalier - la distance entre la dernière marche et le limon]</a:t>
+            </a:r>
+            <a:endParaRPr lang="fr-BE" sz="1143" dirty="0"/>
+          </a:p>
+          <a:p>
+            <a:endParaRPr lang="fr-BE" sz="1143" dirty="0"/>
+          </a:p>
+          <a:p>
+            <a:r>
+              <a:rPr lang="fr-FR" sz="1143" b="1" dirty="0"/>
+              <a:t>4. Déterminer le giron :</a:t>
+            </a:r>
+          </a:p>
+          <a:p>
+            <a:r>
+              <a:rPr lang="fr-FR" sz="1143" dirty="0"/>
+              <a:t>[La ligne de foulée </a:t>
+            </a:r>
+            <a:r>
+              <a:rPr lang="fr-BE" sz="1143" dirty="0"/>
+              <a:t>÷ (nombre de marche – la marche palière)]</a:t>
+            </a:r>
+          </a:p>
+          <a:p>
+            <a:endParaRPr lang="fr-BE" sz="1143" dirty="0"/>
+          </a:p>
+          <a:p>
+            <a:r>
+              <a:rPr lang="fr-BE" sz="1143" b="1" dirty="0"/>
+              <a:t>5. La formule de blondel :</a:t>
+            </a:r>
+          </a:p>
+          <a:p>
+            <a:r>
+              <a:rPr lang="fr-FR" sz="1143" dirty="0"/>
+              <a:t>1 giron + 2 hauteurs de marche</a:t>
+            </a:r>
+            <a:endParaRPr lang="fr-BE" sz="1143" dirty="0"/>
+          </a:p>
+        </p:txBody>
+      </p:sp>
+      <p:sp>
+        <p:nvSpPr>
+          <p:cNvPr id="6" name="TextBox 5"/>
+          <p:cNvSpPr txBox="1"/>
+          <p:nvPr/>
+        </p:nvSpPr>
+        <p:spPr>
+          <a:xfrm>
+            <a:off x="211598" y="323833"/>
+            <a:ext cx="6795587" cy="444096"/>
+          </a:xfrm>
+          <a:prstGeom prst="rect">
+            <a:avLst/>
+          </a:prstGeom>
+          <a:effectLst/>
+        </p:spPr>
+        <p:style>
+          <a:lnRef idx="2">
+            <a:schemeClr val="dk1"/>
+          </a:lnRef>
+          <a:fillRef idx="1">
+            <a:schemeClr val="lt1"/>
+          </a:fillRef>
+          <a:effectRef idx="0">
+            <a:schemeClr val="dk1"/>
+          </a:effectRef>
+          <a:fontRef idx="minor">
+            <a:schemeClr val="dk1"/>
+          </a:fontRef>
+        </p:style>
+        <p:txBody>
+          <a:bodyPr wrap="square" rtlCol="0">
+            <a:spAutoFit/>
+          </a:bodyPr>
+          <a:lstStyle/>
+          <a:p>
+            <a:pPr algn="ctr"/>
+            <a:r>
+              <a:rPr lang="fr-FR" sz="2286" dirty="0"/>
+              <a:t>Evaluation sur les escaliers tournants  	1/2	</a:t>
+            </a:r>
+          </a:p>
+        </p:txBody>
+      </p:sp>
+    </p:spTree>
+    <p:extLst>
+      <p:ext uri="{BB962C8B-B14F-4D97-AF65-F5344CB8AC3E}">
+        <p14:creationId xmlns:p14="http://schemas.microsoft.com/office/powerpoint/2010/main" val="1350458322"/>
+      </p:ext>
+    </p:extLst>
+  </p:cSld>
+  <p:clrMapOvr>
+    <a:masterClrMapping/>
+  </p:clrMapOvr>
+</p:sld>
+</file>
+
+<file path=ppt/slides/slide6.xml><?xml version="1.0" encoding="utf-8"?>
+<p:sld xmlns:a="http://schemas.openxmlformats.org/drawingml/2006/main" xmlns:r="http://schemas.openxmlformats.org/officeDocument/2006/relationships" xmlns:p="http://schemas.openxmlformats.org/presentationml/2006/main">
+  <p:cSld>
+    <p:spTree>
+      <p:nvGrpSpPr>
+        <p:cNvPr id="1" name=""/>
+        <p:cNvGrpSpPr/>
+        <p:nvPr/>
+      </p:nvGrpSpPr>
+      <p:grpSpPr>
+        <a:xfrm>
+          <a:off x="0" y="0"/>
+          <a:ext cx="0" cy="0"/>
+          <a:chOff x="0" y="0"/>
+          <a:chExt cx="0" cy="0"/>
+        </a:xfrm>
+      </p:grpSpPr>
+      <p:sp>
+        <p:nvSpPr>
+          <p:cNvPr id="2" name="Rectangle 1"/>
+          <p:cNvSpPr/>
+          <p:nvPr/>
+        </p:nvSpPr>
+        <p:spPr>
+          <a:xfrm rot="5400000">
+            <a:off x="-2512331" y="3943334"/>
+            <a:ext cx="8535600" cy="2845565"/>
+          </a:xfrm>
+          <a:prstGeom prst="rect">
+            <a:avLst/>
+          </a:prstGeom>
+          <a:solidFill>
+            <a:srgbClr val="FFFFFF">
+              <a:alpha val="60000"/>
+            </a:srgbClr>
+          </a:solidFill>
+          <a:ln w="9525">
+            <a:solidFill>
+              <a:srgbClr val="000000">
+                <a:alpha val="74902"/>
+              </a:srgbClr>
+            </a:solidFill>
+          </a:ln>
+        </p:spPr>
+        <p:style>
+          <a:lnRef idx="2">
+            <a:schemeClr val="dk1"/>
+          </a:lnRef>
+          <a:fillRef idx="1">
+            <a:schemeClr val="lt1"/>
+          </a:fillRef>
+          <a:effectRef idx="0">
+            <a:schemeClr val="dk1"/>
+          </a:effectRef>
+          <a:fontRef idx="minor">
+            <a:schemeClr val="dk1"/>
+          </a:fontRef>
+        </p:style>
+        <p:txBody>
+          <a:bodyPr rtlCol="0" anchor="ctr"/>
+          <a:lstStyle/>
+          <a:p>
+            <a:pPr algn="ctr"/>
+            <a:endParaRPr lang="fr-FR" sz="1646"/>
+          </a:p>
+        </p:txBody>
+      </p:sp>
+      <p:sp>
+        <p:nvSpPr>
+          <p:cNvPr id="7" name="TextBox 6"/>
+          <p:cNvSpPr txBox="1"/>
+          <p:nvPr/>
+        </p:nvSpPr>
+        <p:spPr>
+          <a:xfrm>
+            <a:off x="3454696" y="947862"/>
+            <a:ext cx="3533354" cy="502573"/>
+          </a:xfrm>
+          <a:prstGeom prst="rect">
+            <a:avLst/>
+          </a:prstGeom>
+        </p:spPr>
+        <p:style>
+          <a:lnRef idx="2">
+            <a:schemeClr val="dk1"/>
+          </a:lnRef>
+          <a:fillRef idx="1">
+            <a:schemeClr val="lt1"/>
+          </a:fillRef>
+          <a:effectRef idx="0">
+            <a:schemeClr val="dk1"/>
+          </a:effectRef>
+          <a:fontRef idx="minor">
+            <a:schemeClr val="dk1"/>
+          </a:fontRef>
+        </p:style>
+        <p:txBody>
+          <a:bodyPr wrap="square" rtlCol="0">
+            <a:spAutoFit/>
+          </a:bodyPr>
+          <a:lstStyle/>
+          <a:p>
+            <a:r>
+              <a:rPr lang="fr-FR" sz="1333" dirty="0"/>
+              <a:t>Nom : 	……………………………………</a:t>
+            </a:r>
+          </a:p>
+          <a:p>
+            <a:r>
+              <a:rPr lang="fr-FR" sz="1333" dirty="0"/>
+              <a:t>Prénom : 	……………………………………</a:t>
+            </a:r>
+          </a:p>
+        </p:txBody>
+      </p:sp>
+      <p:sp>
+        <p:nvSpPr>
+          <p:cNvPr id="8" name="Rectangle 7"/>
+          <p:cNvSpPr/>
+          <p:nvPr/>
+        </p:nvSpPr>
+        <p:spPr>
+          <a:xfrm>
+            <a:off x="332686" y="6795771"/>
+            <a:ext cx="6582512" cy="2845565"/>
+          </a:xfrm>
+          <a:prstGeom prst="rect">
+            <a:avLst/>
+          </a:prstGeom>
+          <a:solidFill>
+            <a:srgbClr val="FFFFFF">
+              <a:alpha val="60000"/>
+            </a:srgbClr>
+          </a:solidFill>
+          <a:ln w="9525">
+            <a:solidFill>
+              <a:srgbClr val="000000">
+                <a:alpha val="74902"/>
+              </a:srgbClr>
+            </a:solidFill>
+          </a:ln>
+        </p:spPr>
+        <p:style>
+          <a:lnRef idx="2">
+            <a:schemeClr val="dk1"/>
+          </a:lnRef>
+          <a:fillRef idx="1">
+            <a:schemeClr val="lt1"/>
+          </a:fillRef>
+          <a:effectRef idx="0">
+            <a:schemeClr val="dk1"/>
+          </a:effectRef>
+          <a:fontRef idx="minor">
+            <a:schemeClr val="dk1"/>
+          </a:fontRef>
+        </p:style>
+        <p:txBody>
+          <a:bodyPr rtlCol="0" anchor="ctr"/>
+          <a:lstStyle/>
+          <a:p>
+            <a:pPr algn="ctr"/>
+            <a:endParaRPr lang="fr-FR" sz="1646"/>
+          </a:p>
+        </p:txBody>
+      </p:sp>
+      <p:sp>
+        <p:nvSpPr>
+          <p:cNvPr id="3" name="Rectangle 2"/>
+          <p:cNvSpPr/>
+          <p:nvPr/>
+        </p:nvSpPr>
+        <p:spPr>
+          <a:xfrm>
+            <a:off x="3454696" y="1710763"/>
+            <a:ext cx="3533354" cy="2027030"/>
+          </a:xfrm>
+          <a:prstGeom prst="rect">
+            <a:avLst/>
+          </a:prstGeom>
+        </p:spPr>
+        <p:txBody>
+          <a:bodyPr wrap="square">
+            <a:spAutoFit/>
+          </a:bodyPr>
+          <a:lstStyle/>
+          <a:p>
+            <a:r>
+              <a:rPr lang="fr-FR" sz="1143" b="1" dirty="0"/>
+              <a:t>Traçage :</a:t>
+            </a:r>
+          </a:p>
+          <a:p>
+            <a:endParaRPr lang="fr-FR" sz="1143" b="1" dirty="0"/>
+          </a:p>
+          <a:p>
+            <a:r>
+              <a:rPr lang="fr-FR" sz="1143" dirty="0"/>
+              <a:t>Par rapport à vos calculs, tracer sur le plan de l’escalier à échelle réduite (1:10)</a:t>
+            </a:r>
+          </a:p>
+          <a:p>
+            <a:endParaRPr lang="fr-FR" sz="1143" dirty="0"/>
+          </a:p>
+          <a:p>
+            <a:pPr marL="163272" indent="-163272">
+              <a:buFontTx/>
+              <a:buChar char="-"/>
+            </a:pPr>
+            <a:r>
+              <a:rPr lang="fr-FR" sz="1143" dirty="0"/>
+              <a:t>La marche palière				…/1</a:t>
+            </a:r>
+          </a:p>
+          <a:p>
+            <a:pPr marL="163272" indent="-163272">
+              <a:buFontTx/>
+              <a:buChar char="-"/>
+            </a:pPr>
+            <a:r>
+              <a:rPr lang="fr-FR" sz="1143" dirty="0"/>
+              <a:t>La distance en bout du limon		…/1</a:t>
+            </a:r>
+          </a:p>
+          <a:p>
+            <a:pPr marL="163272" indent="-163272">
+              <a:buFontTx/>
+              <a:buChar char="-"/>
+            </a:pPr>
+            <a:r>
+              <a:rPr lang="fr-FR" sz="1143" dirty="0"/>
+              <a:t>La ligne de foulée				…/2</a:t>
+            </a:r>
+          </a:p>
+          <a:p>
+            <a:pPr marL="163272" indent="-163272">
+              <a:buFontTx/>
+              <a:buChar char="-"/>
+            </a:pPr>
+            <a:r>
+              <a:rPr lang="fr-FR" sz="1143" dirty="0"/>
+              <a:t>Les distances entre les nez de marches	…/2</a:t>
+            </a:r>
+          </a:p>
+          <a:p>
+            <a:endParaRPr lang="fr-FR" sz="1143" dirty="0"/>
+          </a:p>
+          <a:p>
+            <a:r>
+              <a:rPr lang="fr-FR" sz="1143" b="1" dirty="0"/>
+              <a:t>Exemple de résultat attendu </a:t>
+            </a:r>
+            <a:r>
+              <a:rPr lang="fr-FR" sz="1143" dirty="0"/>
+              <a:t>: </a:t>
+            </a:r>
+          </a:p>
+        </p:txBody>
+      </p:sp>
+      <p:pic>
+        <p:nvPicPr>
+          <p:cNvPr id="6" name="Picture 5"/>
+          <p:cNvPicPr>
+            <a:picLocks noChangeAspect="1"/>
+          </p:cNvPicPr>
+          <p:nvPr/>
+        </p:nvPicPr>
+        <p:blipFill>
+          <a:blip r:embed="rId2"/>
+          <a:stretch>
+            <a:fillRect/>
+          </a:stretch>
+        </p:blipFill>
+        <p:spPr>
+          <a:xfrm>
+            <a:off x="4083759" y="3733189"/>
+            <a:ext cx="2042314" cy="2690256"/>
+          </a:xfrm>
+          <a:prstGeom prst="rect">
+            <a:avLst/>
+          </a:prstGeom>
+        </p:spPr>
+      </p:pic>
+      <p:sp>
+        <p:nvSpPr>
+          <p:cNvPr id="9" name="TextBox 8"/>
+          <p:cNvSpPr txBox="1"/>
+          <p:nvPr/>
+        </p:nvSpPr>
+        <p:spPr>
+          <a:xfrm>
+            <a:off x="211598" y="323833"/>
+            <a:ext cx="6795587" cy="444096"/>
+          </a:xfrm>
+          <a:prstGeom prst="rect">
+            <a:avLst/>
+          </a:prstGeom>
+          <a:effectLst/>
+        </p:spPr>
+        <p:style>
+          <a:lnRef idx="2">
+            <a:schemeClr val="dk1"/>
+          </a:lnRef>
+          <a:fillRef idx="1">
+            <a:schemeClr val="lt1"/>
+          </a:fillRef>
+          <a:effectRef idx="0">
+            <a:schemeClr val="dk1"/>
+          </a:effectRef>
+          <a:fontRef idx="minor">
+            <a:schemeClr val="dk1"/>
+          </a:fontRef>
+        </p:style>
+        <p:txBody>
+          <a:bodyPr wrap="square" rtlCol="0">
+            <a:spAutoFit/>
+          </a:bodyPr>
+          <a:lstStyle/>
+          <a:p>
+            <a:pPr algn="ctr"/>
+            <a:r>
+              <a:rPr lang="fr-FR" sz="2286" dirty="0"/>
+              <a:t>Evaluation sur les </a:t>
+            </a:r>
+            <a:r>
+              <a:rPr lang="fr-FR" sz="2286"/>
+              <a:t>escaliers tournants  </a:t>
+            </a:r>
+            <a:r>
+              <a:rPr lang="fr-FR" sz="2286" dirty="0"/>
+              <a:t>	2/2	</a:t>
+            </a:r>
+          </a:p>
+        </p:txBody>
+      </p:sp>
+      <p:cxnSp>
+        <p:nvCxnSpPr>
+          <p:cNvPr id="10" name="Straight Arrow Connector 9"/>
+          <p:cNvCxnSpPr/>
+          <p:nvPr/>
+        </p:nvCxnSpPr>
+        <p:spPr>
+          <a:xfrm>
+            <a:off x="792266" y="1087765"/>
+            <a:ext cx="28346" cy="5718557"/>
+          </a:xfrm>
+          <a:prstGeom prst="straightConnector1">
+            <a:avLst/>
+          </a:prstGeom>
+          <a:ln w="12700">
+            <a:solidFill>
+              <a:schemeClr val="tx1"/>
+            </a:solidFill>
+            <a:headEnd type="triangle"/>
+            <a:tailEnd type="triangle"/>
+          </a:ln>
+        </p:spPr>
+        <p:style>
+          <a:lnRef idx="1">
+            <a:schemeClr val="accent3"/>
+          </a:lnRef>
+          <a:fillRef idx="0">
+            <a:schemeClr val="accent3"/>
+          </a:fillRef>
+          <a:effectRef idx="0">
+            <a:schemeClr val="accent3"/>
+          </a:effectRef>
+          <a:fontRef idx="minor">
+            <a:schemeClr val="tx1"/>
+          </a:fontRef>
+        </p:style>
+      </p:cxnSp>
+      <p:cxnSp>
+        <p:nvCxnSpPr>
+          <p:cNvPr id="11" name="Straight Arrow Connector 10"/>
+          <p:cNvCxnSpPr/>
+          <p:nvPr/>
+        </p:nvCxnSpPr>
+        <p:spPr>
+          <a:xfrm flipH="1" flipV="1">
+            <a:off x="3184894" y="9251198"/>
+            <a:ext cx="3730304" cy="15550"/>
+          </a:xfrm>
+          <a:prstGeom prst="straightConnector1">
+            <a:avLst/>
+          </a:prstGeom>
+          <a:ln w="12700">
+            <a:solidFill>
+              <a:schemeClr val="tx1"/>
+            </a:solidFill>
+            <a:headEnd type="triangle"/>
+            <a:tailEnd type="triangle"/>
+          </a:ln>
+        </p:spPr>
+        <p:style>
+          <a:lnRef idx="1">
+            <a:schemeClr val="accent3"/>
+          </a:lnRef>
+          <a:fillRef idx="0">
+            <a:schemeClr val="accent3"/>
+          </a:fillRef>
+          <a:effectRef idx="0">
+            <a:schemeClr val="accent3"/>
+          </a:effectRef>
+          <a:fontRef idx="minor">
+            <a:schemeClr val="tx1"/>
+          </a:fontRef>
+        </p:style>
+      </p:cxnSp>
+      <p:sp>
+        <p:nvSpPr>
+          <p:cNvPr id="13" name="Rectangle 12"/>
+          <p:cNvSpPr/>
+          <p:nvPr/>
+        </p:nvSpPr>
+        <p:spPr>
+          <a:xfrm>
+            <a:off x="543533" y="3588002"/>
+            <a:ext cx="497465" cy="193848"/>
+          </a:xfrm>
+          <a:prstGeom prst="rect">
+            <a:avLst/>
+          </a:prstGeom>
+          <a:ln w="19050">
+            <a:solidFill>
+              <a:schemeClr val="tx1"/>
+            </a:solidFill>
+          </a:ln>
+        </p:spPr>
+        <p:style>
+          <a:lnRef idx="2">
+            <a:schemeClr val="accent3"/>
+          </a:lnRef>
+          <a:fillRef idx="1">
+            <a:schemeClr val="lt1"/>
+          </a:fillRef>
+          <a:effectRef idx="0">
+            <a:schemeClr val="accent3"/>
+          </a:effectRef>
+          <a:fontRef idx="minor">
+            <a:schemeClr val="dk1"/>
+          </a:fontRef>
+        </p:style>
+        <p:txBody>
+          <a:bodyPr rtlCol="0" anchor="ctr"/>
+          <a:lstStyle/>
+          <a:p>
+            <a:pPr algn="ctr"/>
+            <a:endParaRPr lang="fr-FR" sz="1143" dirty="0">
+              <a:solidFill>
+                <a:schemeClr val="bg1">
+                  <a:lumMod val="50000"/>
+                </a:schemeClr>
+              </a:solidFill>
+            </a:endParaRPr>
+          </a:p>
+        </p:txBody>
+      </p:sp>
+      <p:sp>
+        <p:nvSpPr>
+          <p:cNvPr id="14" name="Rectangle 13"/>
+          <p:cNvSpPr/>
+          <p:nvPr/>
+        </p:nvSpPr>
+        <p:spPr>
+          <a:xfrm>
+            <a:off x="4724495" y="9137060"/>
+            <a:ext cx="507280" cy="228276"/>
+          </a:xfrm>
+          <a:prstGeom prst="rect">
+            <a:avLst/>
+          </a:prstGeom>
+          <a:ln w="19050">
+            <a:solidFill>
+              <a:schemeClr val="tx1"/>
+            </a:solidFill>
+          </a:ln>
+        </p:spPr>
+        <p:style>
+          <a:lnRef idx="2">
+            <a:schemeClr val="accent3"/>
+          </a:lnRef>
+          <a:fillRef idx="1">
+            <a:schemeClr val="lt1"/>
+          </a:fillRef>
+          <a:effectRef idx="0">
+            <a:schemeClr val="accent3"/>
+          </a:effectRef>
+          <a:fontRef idx="minor">
+            <a:schemeClr val="dk1"/>
+          </a:fontRef>
+        </p:style>
+        <p:txBody>
+          <a:bodyPr rtlCol="0" anchor="ctr"/>
+          <a:lstStyle/>
+          <a:p>
+            <a:pPr algn="ctr"/>
+            <a:endParaRPr lang="fr-FR" sz="1143" dirty="0">
+              <a:solidFill>
+                <a:schemeClr val="bg1">
+                  <a:lumMod val="50000"/>
+                </a:schemeClr>
+              </a:solidFill>
+            </a:endParaRPr>
+          </a:p>
+        </p:txBody>
+      </p:sp>
+      <p:cxnSp>
+        <p:nvCxnSpPr>
+          <p:cNvPr id="16" name="Straight Arrow Connector 15"/>
+          <p:cNvCxnSpPr/>
+          <p:nvPr/>
+        </p:nvCxnSpPr>
+        <p:spPr>
+          <a:xfrm flipH="1">
+            <a:off x="2253345" y="6795771"/>
+            <a:ext cx="919224" cy="1092290"/>
+          </a:xfrm>
+          <a:prstGeom prst="straightConnector1">
+            <a:avLst/>
+          </a:prstGeom>
+          <a:ln w="12700">
+            <a:solidFill>
+              <a:schemeClr val="tx1"/>
+            </a:solidFill>
+            <a:headEnd type="triangle"/>
+            <a:tailEnd type="triangle"/>
+          </a:ln>
+        </p:spPr>
+        <p:style>
+          <a:lnRef idx="1">
+            <a:schemeClr val="accent3"/>
+          </a:lnRef>
+          <a:fillRef idx="0">
+            <a:schemeClr val="accent3"/>
+          </a:fillRef>
+          <a:effectRef idx="0">
+            <a:schemeClr val="accent3"/>
+          </a:effectRef>
+          <a:fontRef idx="minor">
+            <a:schemeClr val="tx1"/>
+          </a:fontRef>
+        </p:style>
+      </p:cxnSp>
+      <p:sp>
+        <p:nvSpPr>
+          <p:cNvPr id="17" name="Rectangle 16"/>
+          <p:cNvSpPr/>
+          <p:nvPr/>
+        </p:nvSpPr>
+        <p:spPr>
+          <a:xfrm rot="18636629">
+            <a:off x="2440527" y="7254348"/>
+            <a:ext cx="507280" cy="228276"/>
+          </a:xfrm>
+          <a:prstGeom prst="rect">
+            <a:avLst/>
+          </a:prstGeom>
+          <a:ln w="19050">
+            <a:solidFill>
+              <a:schemeClr val="tx1"/>
+            </a:solidFill>
+          </a:ln>
+        </p:spPr>
+        <p:style>
+          <a:lnRef idx="2">
+            <a:schemeClr val="accent3"/>
+          </a:lnRef>
+          <a:fillRef idx="1">
+            <a:schemeClr val="lt1"/>
+          </a:fillRef>
+          <a:effectRef idx="0">
+            <a:schemeClr val="accent3"/>
+          </a:effectRef>
+          <a:fontRef idx="minor">
+            <a:schemeClr val="dk1"/>
+          </a:fontRef>
+        </p:style>
+        <p:txBody>
+          <a:bodyPr rtlCol="0" anchor="ctr"/>
+          <a:lstStyle/>
+          <a:p>
+            <a:pPr algn="ctr"/>
+            <a:r>
+              <a:rPr lang="fr-FR" sz="1143" dirty="0">
+                <a:solidFill>
+                  <a:schemeClr val="bg1">
+                    <a:lumMod val="50000"/>
+                  </a:schemeClr>
+                </a:solidFill>
+              </a:rPr>
+              <a:t>400</a:t>
+            </a:r>
+          </a:p>
+        </p:txBody>
+      </p:sp>
+      <p:sp>
+        <p:nvSpPr>
+          <p:cNvPr id="24" name="Arc 23"/>
+          <p:cNvSpPr/>
+          <p:nvPr/>
+        </p:nvSpPr>
+        <p:spPr>
+          <a:xfrm rot="10800000">
+            <a:off x="1752138" y="5387234"/>
+            <a:ext cx="2858847" cy="2859278"/>
+          </a:xfrm>
+          <a:prstGeom prst="arc">
+            <a:avLst>
+              <a:gd name="adj1" fmla="val 16205471"/>
+              <a:gd name="adj2" fmla="val 21523815"/>
+            </a:avLst>
+          </a:prstGeom>
+          <a:ln w="19050" cap="flat" cmpd="sng" algn="ctr">
+            <a:solidFill>
+              <a:schemeClr val="tx1"/>
+            </a:solidFill>
+            <a:prstDash val="dash"/>
+            <a:round/>
+            <a:headEnd type="none" w="med" len="med"/>
+            <a:tailEnd type="none" w="med" len="med"/>
+          </a:ln>
+        </p:spPr>
+        <p:style>
+          <a:lnRef idx="0">
+            <a:scrgbClr r="0" g="0" b="0"/>
+          </a:lnRef>
+          <a:fillRef idx="0">
+            <a:scrgbClr r="0" g="0" b="0"/>
+          </a:fillRef>
+          <a:effectRef idx="0">
+            <a:scrgbClr r="0" g="0" b="0"/>
+          </a:effectRef>
+          <a:fontRef idx="minor">
+            <a:schemeClr val="tx1"/>
+          </a:fontRef>
+        </p:style>
+        <p:txBody>
+          <a:bodyPr rtlCol="0" anchor="ctr"/>
+          <a:lstStyle/>
+          <a:p>
+            <a:pPr algn="ctr"/>
+            <a:endParaRPr lang="fr-FR" sz="1646" dirty="0"/>
+          </a:p>
+        </p:txBody>
+      </p:sp>
+    </p:spTree>
+    <p:extLst>
+      <p:ext uri="{BB962C8B-B14F-4D97-AF65-F5344CB8AC3E}">
+        <p14:creationId xmlns:p14="http://schemas.microsoft.com/office/powerpoint/2010/main" val="2135524903"/>
       </p:ext>
     </p:extLst>
   </p:cSld>
